--- a/solution demo Lucene.pptx
+++ b/solution demo Lucene.pptx
@@ -613,53 +613,34 @@
           </a:p>
           <a:p>
             <a:r>
-              <a:rPr lang="en-US" dirty="0" smtClean="0"/>
-              <a:t>builton:WSAB101055 AND </a:t>
-            </a:r>
-            <a:r>
-              <a:rPr lang="en-US" dirty="0" err="1" smtClean="0"/>
+              <a:rPr lang="en-GB" dirty="0" smtClean="0"/>
+              <a:t>"</a:t>
+            </a:r>
+            <a:r>
+              <a:rPr lang="en-GB" dirty="0" err="1" smtClean="0"/>
+              <a:t>config</a:t>
+            </a:r>
+            <a:r>
+              <a:rPr lang="en-GB" dirty="0" smtClean="0"/>
+              <a:t> --add" AND </a:t>
+            </a:r>
+            <a:r>
+              <a:rPr lang="en-GB" dirty="0" err="1" smtClean="0"/>
               <a:t>result:FAILURE</a:t>
             </a:r>
+            <a:endParaRPr lang="en-GB" dirty="0" smtClean="0"/>
+          </a:p>
+          <a:p>
             <a:endParaRPr lang="en-US" dirty="0" smtClean="0"/>
           </a:p>
           <a:p>
-            <a:endParaRPr lang="en-US" dirty="0" smtClean="0"/>
-          </a:p>
-          <a:p>
-            <a:r>
-              <a:rPr lang="en-US" dirty="0" smtClean="0"/>
-              <a:t>DEMO 2 (search example</a:t>
-            </a:r>
-            <a:r>
-              <a:rPr lang="en-US" baseline="0" dirty="0" smtClean="0"/>
-              <a:t> 2) – upgrade specific AS</a:t>
-            </a:r>
-          </a:p>
-          <a:p>
-            <a:r>
-              <a:rPr lang="en-US" dirty="0" err="1" smtClean="0"/>
-              <a:t>nspbuild</a:t>
-            </a:r>
-            <a:r>
-              <a:rPr lang="en-US" dirty="0" smtClean="0"/>
-              <a:t>:"failed to run upgrade" AND </a:t>
-            </a:r>
-            <a:r>
-              <a:rPr lang="en-US" dirty="0" err="1" smtClean="0"/>
-              <a:t>nspbuild</a:t>
-            </a:r>
-            <a:r>
-              <a:rPr lang="en-US" dirty="0" smtClean="0"/>
-              <a:t>:"upgrade at '10.158.238.197'“</a:t>
-            </a:r>
-          </a:p>
-          <a:p>
-            <a:endParaRPr lang="en-US" dirty="0" smtClean="0"/>
-          </a:p>
-          <a:p>
-            <a:r>
-              <a:rPr lang="en-US" dirty="0" smtClean="0"/>
-              <a:t>DEMO 3 – known intermittent issue</a:t>
+            <a:r>
+              <a:rPr lang="en-US" dirty="0" smtClean="0"/>
+              <a:t>DEMO </a:t>
+            </a:r>
+            <a:r>
+              <a:rPr lang="en-US" dirty="0" smtClean="0"/>
+              <a:t>3 – known intermittent issue</a:t>
             </a:r>
           </a:p>
           <a:p>
@@ -3992,7 +3973,7 @@
         <p:spPr/>
         <p:txBody>
           <a:bodyPr>
-            <a:normAutofit/>
+            <a:normAutofit lnSpcReduction="10000"/>
           </a:bodyPr>
           <a:lstStyle/>
           <a:p>
@@ -4022,11 +4003,7 @@
             </a:r>
             <a:r>
               <a:rPr lang="en-US" dirty="0" smtClean="0"/>
-              <a:t>-Search </a:t>
-            </a:r>
-            <a:r>
-              <a:rPr lang="en-US" dirty="0" smtClean="0"/>
-              <a:t>plugin (new)</a:t>
+              <a:t>-Search plugin (new)</a:t>
             </a:r>
           </a:p>
           <a:p>
@@ -4040,24 +4017,28 @@
             <a:pPr lvl="1"/>
             <a:r>
               <a:rPr lang="en-US" dirty="0" smtClean="0"/>
-              <a:t>Support extensions for </a:t>
-            </a:r>
-            <a:r>
-              <a:rPr lang="en-US" dirty="0" smtClean="0"/>
-              <a:t>your</a:t>
-            </a:r>
-            <a:r>
-              <a:rPr lang="en-US" dirty="0" smtClean="0"/>
-              <a:t> </a:t>
-            </a:r>
-            <a:r>
-              <a:rPr lang="en-US" dirty="0" smtClean="0"/>
-              <a:t>own </a:t>
-            </a:r>
-            <a:r>
-              <a:rPr lang="en-US" dirty="0" smtClean="0"/>
-              <a:t>logs via extension points</a:t>
-            </a:r>
+              <a:t>Support extensions for your own logs via extension </a:t>
+            </a:r>
+            <a:r>
+              <a:rPr lang="en-US" dirty="0" smtClean="0"/>
+              <a:t>points</a:t>
+            </a:r>
+          </a:p>
+          <a:p>
+            <a:pPr lvl="1"/>
+            <a:r>
+              <a:rPr lang="en-US" dirty="0" smtClean="0"/>
+              <a:t>Supports the use of an external </a:t>
+            </a:r>
+            <a:r>
+              <a:rPr lang="en-US" dirty="0" err="1" smtClean="0"/>
+              <a:t>solr</a:t>
+            </a:r>
+            <a:r>
+              <a:rPr lang="en-US" dirty="0" smtClean="0"/>
+              <a:t> server</a:t>
+            </a:r>
+            <a:endParaRPr lang="en-US" dirty="0" smtClean="0"/>
           </a:p>
         </p:txBody>
       </p:sp>
@@ -4214,11 +4195,7 @@
           <a:p>
             <a:r>
               <a:rPr lang="en-US" dirty="0" smtClean="0"/>
-              <a:t>Combination </a:t>
-            </a:r>
-            <a:r>
-              <a:rPr lang="en-US" dirty="0" smtClean="0"/>
-              <a:t>of keywords</a:t>
+              <a:t>Combination of keywords</a:t>
             </a:r>
           </a:p>
           <a:p>
